--- a/C#/SEH Code Challenge/SEH  Code Challenge/SEH  Code Challenge/SEH Challenge.pptx
+++ b/C#/SEH Code Challenge/SEH  Code Challenge/SEH  Code Challenge/SEH Challenge.pptx
@@ -3316,7 +3316,7 @@
         </p:blipFill>
         <p:spPr bwMode="white">
           <a:xfrm rot="0">
-            <a:off x="6347333" y="3030093"/>
+            <a:off x="2537333" y="3030093"/>
             <a:ext cx="1778000" cy="1778000"/>
           </a:xfrm>
           <a:prstGeom prst="rect">
@@ -3347,7 +3347,7 @@
         </p:blipFill>
         <p:spPr bwMode="white">
           <a:xfrm rot="0">
-            <a:off x="6347333" y="3030093"/>
+            <a:off x="4442333" y="3030093"/>
             <a:ext cx="1778000" cy="1778000"/>
           </a:xfrm>
           <a:prstGeom prst="rect">

--- a/C#/SEH Code Challenge/SEH  Code Challenge/SEH  Code Challenge/SEH Challenge.pptx
+++ b/C#/SEH Code Challenge/SEH  Code Challenge/SEH  Code Challenge/SEH Challenge.pptx
@@ -3292,7 +3292,7 @@
             <a:pPr defTabSz="914400"/>
             <a:r>
               <a:rPr/>
-              <a:t>My name is **Jaime Landers**, what is **your name** friend?</a:t>
+              <a:t>For **Python** and **Java**</a:t>
             </a:r>
           </a:p>
         </p:txBody>
